--- a/src/com/javalab/5조 뱅크 시스템.pptx
+++ b/src/com/javalab/5조 뱅크 시스템.pptx
@@ -111,6 +111,11 @@
       </a:defRPr>
     </a:lvl9pPr>
   </p:defaultTextStyle>
+  <p:extLst>
+    <p:ext uri="{EFAFB233-063F-42B5-8137-9DF3F51BA10A}">
+      <p15:sldGuideLst xmlns:p15="http://schemas.microsoft.com/office/powerpoint/2012/main"/>
+    </p:ext>
+  </p:extLst>
 </p:presentation>
 </file>
 
@@ -4586,7 +4591,7 @@
           <p:nvPr>
             <p:extLst>
               <p:ext uri="{D42A27DB-BD31-4B8C-83A1-F6EECF244321}">
-                <p14:modId xmlns:p14="http://schemas.microsoft.com/office/powerpoint/2010/main" val="129905281"/>
+                <p14:modId xmlns:p14="http://schemas.microsoft.com/office/powerpoint/2010/main" val="2640955029"/>
               </p:ext>
             </p:extLst>
           </p:nvPr>
@@ -4835,7 +4840,7 @@
                       <a:pPr algn="l" latinLnBrk="1"/>
                       <a:r>
                         <a:rPr lang="ko-KR" altLang="en-US" sz="2800" dirty="0"/>
-                        <a:t>계좌번호</a:t>
+                        <a:t>회원계좌</a:t>
                       </a:r>
                     </a:p>
                   </a:txBody>
@@ -4863,8 +4868,8 @@
                     <a:p>
                       <a:pPr algn="l" latinLnBrk="1"/>
                       <a:r>
-                        <a:rPr lang="en-US" altLang="ko-KR" sz="2400" dirty="0" err="1"/>
-                        <a:t>accountNum</a:t>
+                        <a:rPr lang="en-US" altLang="ko-KR" sz="2400" dirty="0"/>
+                        <a:t>account</a:t>
                       </a:r>
                       <a:endParaRPr lang="ko-KR" altLang="en-US" sz="2400" dirty="0"/>
                     </a:p>
@@ -5923,7 +5928,7 @@
                   <a:schemeClr val="tx1"/>
                 </a:solidFill>
               </a:rPr>
-              <a:t>사용자 입력 </a:t>
+              <a:t>서비스 번호 입력 </a:t>
             </a:r>
             <a:r>
               <a:rPr lang="en-US" altLang="ko-KR" sz="2400" dirty="0">
@@ -6402,7 +6407,23 @@
                   <a:schemeClr val="tx1"/>
                 </a:solidFill>
               </a:rPr>
-              <a:t>계좌번호 입력</a:t>
+              <a:t>계좌번호</a:t>
+            </a:r>
+            <a:r>
+              <a:rPr lang="en-US" altLang="ko-KR" sz="2400" dirty="0">
+                <a:solidFill>
+                  <a:schemeClr val="tx1"/>
+                </a:solidFill>
+              </a:rPr>
+              <a:t>, </a:t>
+            </a:r>
+            <a:r>
+              <a:rPr lang="ko-KR" altLang="en-US" sz="2400" dirty="0">
+                <a:solidFill>
+                  <a:schemeClr val="tx1"/>
+                </a:solidFill>
+              </a:rPr>
+              <a:t>비밀번호 입력</a:t>
             </a:r>
           </a:p>
         </p:txBody>

--- a/src/com/javalab/5조 뱅크 시스템.pptx
+++ b/src/com/javalab/5조 뱅크 시스템.pptx
@@ -201,7 +201,7 @@
           <a:p>
             <a:fld id="{298E7AE1-FB5B-4481-B94F-9DE2E9191704}" type="datetimeFigureOut">
               <a:rPr lang="ko-KR" altLang="en-US" smtClean="0"/>
-              <a:t>2024-04-25</a:t>
+              <a:t>2024-04-26</a:t>
             </a:fld>
             <a:endParaRPr lang="ko-KR" altLang="en-US"/>
           </a:p>
@@ -1035,7 +1035,7 @@
           <a:p>
             <a:fld id="{EB04B4EF-C24C-4F56-BC0F-FFE809DF1B23}" type="datetimeFigureOut">
               <a:rPr lang="ko-KR" altLang="en-US" smtClean="0"/>
-              <a:t>2024-04-25</a:t>
+              <a:t>2024-04-26</a:t>
             </a:fld>
             <a:endParaRPr lang="ko-KR" altLang="en-US"/>
           </a:p>
@@ -1233,7 +1233,7 @@
           <a:p>
             <a:fld id="{EB04B4EF-C24C-4F56-BC0F-FFE809DF1B23}" type="datetimeFigureOut">
               <a:rPr lang="ko-KR" altLang="en-US" smtClean="0"/>
-              <a:t>2024-04-25</a:t>
+              <a:t>2024-04-26</a:t>
             </a:fld>
             <a:endParaRPr lang="ko-KR" altLang="en-US"/>
           </a:p>
@@ -1441,7 +1441,7 @@
           <a:p>
             <a:fld id="{EB04B4EF-C24C-4F56-BC0F-FFE809DF1B23}" type="datetimeFigureOut">
               <a:rPr lang="ko-KR" altLang="en-US" smtClean="0"/>
-              <a:t>2024-04-25</a:t>
+              <a:t>2024-04-26</a:t>
             </a:fld>
             <a:endParaRPr lang="ko-KR" altLang="en-US"/>
           </a:p>
@@ -1639,7 +1639,7 @@
           <a:p>
             <a:fld id="{EB04B4EF-C24C-4F56-BC0F-FFE809DF1B23}" type="datetimeFigureOut">
               <a:rPr lang="ko-KR" altLang="en-US" smtClean="0"/>
-              <a:t>2024-04-25</a:t>
+              <a:t>2024-04-26</a:t>
             </a:fld>
             <a:endParaRPr lang="ko-KR" altLang="en-US"/>
           </a:p>
@@ -1914,7 +1914,7 @@
           <a:p>
             <a:fld id="{EB04B4EF-C24C-4F56-BC0F-FFE809DF1B23}" type="datetimeFigureOut">
               <a:rPr lang="ko-KR" altLang="en-US" smtClean="0"/>
-              <a:t>2024-04-25</a:t>
+              <a:t>2024-04-26</a:t>
             </a:fld>
             <a:endParaRPr lang="ko-KR" altLang="en-US"/>
           </a:p>
@@ -2179,7 +2179,7 @@
           <a:p>
             <a:fld id="{EB04B4EF-C24C-4F56-BC0F-FFE809DF1B23}" type="datetimeFigureOut">
               <a:rPr lang="ko-KR" altLang="en-US" smtClean="0"/>
-              <a:t>2024-04-25</a:t>
+              <a:t>2024-04-26</a:t>
             </a:fld>
             <a:endParaRPr lang="ko-KR" altLang="en-US"/>
           </a:p>
@@ -2591,7 +2591,7 @@
           <a:p>
             <a:fld id="{EB04B4EF-C24C-4F56-BC0F-FFE809DF1B23}" type="datetimeFigureOut">
               <a:rPr lang="ko-KR" altLang="en-US" smtClean="0"/>
-              <a:t>2024-04-25</a:t>
+              <a:t>2024-04-26</a:t>
             </a:fld>
             <a:endParaRPr lang="ko-KR" altLang="en-US"/>
           </a:p>
@@ -2732,7 +2732,7 @@
           <a:p>
             <a:fld id="{EB04B4EF-C24C-4F56-BC0F-FFE809DF1B23}" type="datetimeFigureOut">
               <a:rPr lang="ko-KR" altLang="en-US" smtClean="0"/>
-              <a:t>2024-04-25</a:t>
+              <a:t>2024-04-26</a:t>
             </a:fld>
             <a:endParaRPr lang="ko-KR" altLang="en-US"/>
           </a:p>
@@ -2845,7 +2845,7 @@
           <a:p>
             <a:fld id="{EB04B4EF-C24C-4F56-BC0F-FFE809DF1B23}" type="datetimeFigureOut">
               <a:rPr lang="ko-KR" altLang="en-US" smtClean="0"/>
-              <a:t>2024-04-25</a:t>
+              <a:t>2024-04-26</a:t>
             </a:fld>
             <a:endParaRPr lang="ko-KR" altLang="en-US"/>
           </a:p>
@@ -3156,7 +3156,7 @@
           <a:p>
             <a:fld id="{EB04B4EF-C24C-4F56-BC0F-FFE809DF1B23}" type="datetimeFigureOut">
               <a:rPr lang="ko-KR" altLang="en-US" smtClean="0"/>
-              <a:t>2024-04-25</a:t>
+              <a:t>2024-04-26</a:t>
             </a:fld>
             <a:endParaRPr lang="ko-KR" altLang="en-US"/>
           </a:p>
@@ -3444,7 +3444,7 @@
           <a:p>
             <a:fld id="{EB04B4EF-C24C-4F56-BC0F-FFE809DF1B23}" type="datetimeFigureOut">
               <a:rPr lang="ko-KR" altLang="en-US" smtClean="0"/>
-              <a:t>2024-04-25</a:t>
+              <a:t>2024-04-26</a:t>
             </a:fld>
             <a:endParaRPr lang="ko-KR" altLang="en-US"/>
           </a:p>
@@ -3685,7 +3685,7 @@
           <a:p>
             <a:fld id="{EB04B4EF-C24C-4F56-BC0F-FFE809DF1B23}" type="datetimeFigureOut">
               <a:rPr lang="ko-KR" altLang="en-US" smtClean="0"/>
-              <a:t>2024-04-25</a:t>
+              <a:t>2024-04-26</a:t>
             </a:fld>
             <a:endParaRPr lang="ko-KR" altLang="en-US"/>
           </a:p>
@@ -4280,7 +4280,7 @@
         <p:spPr>
           <a:xfrm>
             <a:off x="9349818" y="5264028"/>
-            <a:ext cx="2912883" cy="369332"/>
+            <a:ext cx="2912883" cy="923330"/>
           </a:xfrm>
           <a:prstGeom prst="rect">
             <a:avLst/>
@@ -4302,8 +4302,30 @@
               <a:t>조 발표자 </a:t>
             </a:r>
             <a:r>
-              <a:rPr lang="ko-KR" altLang="en-US" dirty="0" err="1"/>
+              <a:rPr lang="ko-KR" altLang="en-US" dirty="0" err="1" smtClean="0"/>
               <a:t>김도완</a:t>
+            </a:r>
+            <a:endParaRPr lang="en-US" altLang="ko-KR" dirty="0" smtClean="0"/>
+          </a:p>
+          <a:p>
+            <a:endParaRPr lang="en-US" altLang="ko-KR" dirty="0"/>
+          </a:p>
+          <a:p>
+            <a:r>
+              <a:rPr lang="ko-KR" altLang="en-US" dirty="0" err="1" smtClean="0"/>
+              <a:t>양예리</a:t>
+            </a:r>
+            <a:r>
+              <a:rPr lang="ko-KR" altLang="en-US" dirty="0" smtClean="0"/>
+              <a:t> </a:t>
+            </a:r>
+            <a:r>
+              <a:rPr lang="ko-KR" altLang="en-US" dirty="0" err="1" smtClean="0"/>
+              <a:t>서하진</a:t>
+            </a:r>
+            <a:r>
+              <a:rPr lang="ko-KR" altLang="en-US" dirty="0" smtClean="0"/>
+              <a:t> 이가은</a:t>
             </a:r>
             <a:endParaRPr lang="ko-KR" altLang="en-US" dirty="0"/>
           </a:p>
@@ -4449,7 +4471,11 @@
           <a:p>
             <a:r>
               <a:rPr lang="en-US" altLang="ko-KR" sz="8800" dirty="0"/>
-              <a:t>Bank System</a:t>
+              <a:t>Bank </a:t>
+            </a:r>
+            <a:r>
+              <a:rPr lang="en-US" altLang="ko-KR" sz="8800" dirty="0" smtClean="0"/>
+              <a:t>System</a:t>
             </a:r>
             <a:endParaRPr lang="ko-KR" altLang="en-US" sz="8800" dirty="0"/>
           </a:p>
